--- a/media/zdi.pptx
+++ b/media/zdi.pptx
@@ -263,7 +263,7 @@
           <a:p>
             <a:fld id="{4665CC86-5547-4CAB-8C6B-1B5F03075A0A}" type="datetimeFigureOut">
               <a:rPr lang="en-NL" smtClean="0"/>
-              <a:t>26/10/2023</a:t>
+              <a:t>15/04/2024</a:t>
             </a:fld>
             <a:endParaRPr lang="en-NL"/>
           </a:p>
@@ -317,7 +317,7 @@
           <a:p>
             <a:fld id="{6424BB3C-CA66-4C8C-9254-D03B34FECB6C}" type="slidenum">
               <a:rPr lang="en-NL" smtClean="0"/>
-              <a:t>‹#›</a:t>
+              <a:t>‹nr.›</a:t>
             </a:fld>
             <a:endParaRPr lang="en-NL"/>
           </a:p>
@@ -463,7 +463,7 @@
           <a:p>
             <a:fld id="{4665CC86-5547-4CAB-8C6B-1B5F03075A0A}" type="datetimeFigureOut">
               <a:rPr lang="en-NL" smtClean="0"/>
-              <a:t>26/10/2023</a:t>
+              <a:t>15/04/2024</a:t>
             </a:fld>
             <a:endParaRPr lang="en-NL"/>
           </a:p>
@@ -517,7 +517,7 @@
           <a:p>
             <a:fld id="{6424BB3C-CA66-4C8C-9254-D03B34FECB6C}" type="slidenum">
               <a:rPr lang="en-NL" smtClean="0"/>
-              <a:t>‹#›</a:t>
+              <a:t>‹nr.›</a:t>
             </a:fld>
             <a:endParaRPr lang="en-NL"/>
           </a:p>
@@ -673,7 +673,7 @@
           <a:p>
             <a:fld id="{4665CC86-5547-4CAB-8C6B-1B5F03075A0A}" type="datetimeFigureOut">
               <a:rPr lang="en-NL" smtClean="0"/>
-              <a:t>26/10/2023</a:t>
+              <a:t>15/04/2024</a:t>
             </a:fld>
             <a:endParaRPr lang="en-NL"/>
           </a:p>
@@ -727,7 +727,7 @@
           <a:p>
             <a:fld id="{6424BB3C-CA66-4C8C-9254-D03B34FECB6C}" type="slidenum">
               <a:rPr lang="en-NL" smtClean="0"/>
-              <a:t>‹#›</a:t>
+              <a:t>‹nr.›</a:t>
             </a:fld>
             <a:endParaRPr lang="en-NL"/>
           </a:p>
@@ -873,7 +873,7 @@
           <a:p>
             <a:fld id="{4665CC86-5547-4CAB-8C6B-1B5F03075A0A}" type="datetimeFigureOut">
               <a:rPr lang="en-NL" smtClean="0"/>
-              <a:t>26/10/2023</a:t>
+              <a:t>15/04/2024</a:t>
             </a:fld>
             <a:endParaRPr lang="en-NL"/>
           </a:p>
@@ -927,7 +927,7 @@
           <a:p>
             <a:fld id="{6424BB3C-CA66-4C8C-9254-D03B34FECB6C}" type="slidenum">
               <a:rPr lang="en-NL" smtClean="0"/>
-              <a:t>‹#›</a:t>
+              <a:t>‹nr.›</a:t>
             </a:fld>
             <a:endParaRPr lang="en-NL"/>
           </a:p>
@@ -1149,7 +1149,7 @@
           <a:p>
             <a:fld id="{4665CC86-5547-4CAB-8C6B-1B5F03075A0A}" type="datetimeFigureOut">
               <a:rPr lang="en-NL" smtClean="0"/>
-              <a:t>26/10/2023</a:t>
+              <a:t>15/04/2024</a:t>
             </a:fld>
             <a:endParaRPr lang="en-NL"/>
           </a:p>
@@ -1203,7 +1203,7 @@
           <a:p>
             <a:fld id="{6424BB3C-CA66-4C8C-9254-D03B34FECB6C}" type="slidenum">
               <a:rPr lang="en-NL" smtClean="0"/>
-              <a:t>‹#›</a:t>
+              <a:t>‹nr.›</a:t>
             </a:fld>
             <a:endParaRPr lang="en-NL"/>
           </a:p>
@@ -1417,7 +1417,7 @@
           <a:p>
             <a:fld id="{4665CC86-5547-4CAB-8C6B-1B5F03075A0A}" type="datetimeFigureOut">
               <a:rPr lang="en-NL" smtClean="0"/>
-              <a:t>26/10/2023</a:t>
+              <a:t>15/04/2024</a:t>
             </a:fld>
             <a:endParaRPr lang="en-NL"/>
           </a:p>
@@ -1471,7 +1471,7 @@
           <a:p>
             <a:fld id="{6424BB3C-CA66-4C8C-9254-D03B34FECB6C}" type="slidenum">
               <a:rPr lang="en-NL" smtClean="0"/>
-              <a:t>‹#›</a:t>
+              <a:t>‹nr.›</a:t>
             </a:fld>
             <a:endParaRPr lang="en-NL"/>
           </a:p>
@@ -1832,7 +1832,7 @@
           <a:p>
             <a:fld id="{4665CC86-5547-4CAB-8C6B-1B5F03075A0A}" type="datetimeFigureOut">
               <a:rPr lang="en-NL" smtClean="0"/>
-              <a:t>26/10/2023</a:t>
+              <a:t>15/04/2024</a:t>
             </a:fld>
             <a:endParaRPr lang="en-NL"/>
           </a:p>
@@ -1886,7 +1886,7 @@
           <a:p>
             <a:fld id="{6424BB3C-CA66-4C8C-9254-D03B34FECB6C}" type="slidenum">
               <a:rPr lang="en-NL" smtClean="0"/>
-              <a:t>‹#›</a:t>
+              <a:t>‹nr.›</a:t>
             </a:fld>
             <a:endParaRPr lang="en-NL"/>
           </a:p>
@@ -1974,7 +1974,7 @@
           <a:p>
             <a:fld id="{4665CC86-5547-4CAB-8C6B-1B5F03075A0A}" type="datetimeFigureOut">
               <a:rPr lang="en-NL" smtClean="0"/>
-              <a:t>26/10/2023</a:t>
+              <a:t>15/04/2024</a:t>
             </a:fld>
             <a:endParaRPr lang="en-NL"/>
           </a:p>
@@ -2028,7 +2028,7 @@
           <a:p>
             <a:fld id="{6424BB3C-CA66-4C8C-9254-D03B34FECB6C}" type="slidenum">
               <a:rPr lang="en-NL" smtClean="0"/>
-              <a:t>‹#›</a:t>
+              <a:t>‹nr.›</a:t>
             </a:fld>
             <a:endParaRPr lang="en-NL"/>
           </a:p>
@@ -2087,7 +2087,7 @@
           <a:p>
             <a:fld id="{4665CC86-5547-4CAB-8C6B-1B5F03075A0A}" type="datetimeFigureOut">
               <a:rPr lang="en-NL" smtClean="0"/>
-              <a:t>26/10/2023</a:t>
+              <a:t>15/04/2024</a:t>
             </a:fld>
             <a:endParaRPr lang="en-NL"/>
           </a:p>
@@ -2141,7 +2141,7 @@
           <a:p>
             <a:fld id="{6424BB3C-CA66-4C8C-9254-D03B34FECB6C}" type="slidenum">
               <a:rPr lang="en-NL" smtClean="0"/>
-              <a:t>‹#›</a:t>
+              <a:t>‹nr.›</a:t>
             </a:fld>
             <a:endParaRPr lang="en-NL"/>
           </a:p>
@@ -2400,7 +2400,7 @@
           <a:p>
             <a:fld id="{4665CC86-5547-4CAB-8C6B-1B5F03075A0A}" type="datetimeFigureOut">
               <a:rPr lang="en-NL" smtClean="0"/>
-              <a:t>26/10/2023</a:t>
+              <a:t>15/04/2024</a:t>
             </a:fld>
             <a:endParaRPr lang="en-NL"/>
           </a:p>
@@ -2454,7 +2454,7 @@
           <a:p>
             <a:fld id="{6424BB3C-CA66-4C8C-9254-D03B34FECB6C}" type="slidenum">
               <a:rPr lang="en-NL" smtClean="0"/>
-              <a:t>‹#›</a:t>
+              <a:t>‹nr.›</a:t>
             </a:fld>
             <a:endParaRPr lang="en-NL"/>
           </a:p>
@@ -2689,7 +2689,7 @@
           <a:p>
             <a:fld id="{4665CC86-5547-4CAB-8C6B-1B5F03075A0A}" type="datetimeFigureOut">
               <a:rPr lang="en-NL" smtClean="0"/>
-              <a:t>26/10/2023</a:t>
+              <a:t>15/04/2024</a:t>
             </a:fld>
             <a:endParaRPr lang="en-NL"/>
           </a:p>
@@ -2743,7 +2743,7 @@
           <a:p>
             <a:fld id="{6424BB3C-CA66-4C8C-9254-D03B34FECB6C}" type="slidenum">
               <a:rPr lang="en-NL" smtClean="0"/>
-              <a:t>‹#›</a:t>
+              <a:t>‹nr.›</a:t>
             </a:fld>
             <a:endParaRPr lang="en-NL"/>
           </a:p>
@@ -2932,7 +2932,7 @@
           <a:p>
             <a:fld id="{4665CC86-5547-4CAB-8C6B-1B5F03075A0A}" type="datetimeFigureOut">
               <a:rPr lang="en-NL" smtClean="0"/>
-              <a:t>26/10/2023</a:t>
+              <a:t>15/04/2024</a:t>
             </a:fld>
             <a:endParaRPr lang="en-NL"/>
           </a:p>
@@ -3022,7 +3022,7 @@
           <a:p>
             <a:fld id="{6424BB3C-CA66-4C8C-9254-D03B34FECB6C}" type="slidenum">
               <a:rPr lang="en-NL" smtClean="0"/>
-              <a:t>‹#›</a:t>
+              <a:t>‹nr.›</a:t>
             </a:fld>
             <a:endParaRPr lang="en-NL"/>
           </a:p>
@@ -4083,8 +4083,8 @@
         </p:nvSpPr>
         <p:spPr>
           <a:xfrm>
-            <a:off x="4509067" y="2764545"/>
-            <a:ext cx="3311356" cy="461665"/>
+            <a:off x="4713599" y="2764545"/>
+            <a:ext cx="2773681" cy="461665"/>
           </a:xfrm>
           <a:prstGeom prst="rect">
             <a:avLst/>
@@ -4092,14 +4092,15 @@
           <a:noFill/>
         </p:spPr>
         <p:txBody>
-          <a:bodyPr wrap="none" rtlCol="0">
+          <a:bodyPr wrap="square" rtlCol="0">
             <a:spAutoFit/>
           </a:bodyPr>
           <a:lstStyle/>
           <a:p>
+            <a:pPr algn="ctr"/>
             <a:r>
               <a:rPr lang="en-US" sz="2400" dirty="0"/>
-              <a:t>Console8 - ZDI connector</a:t>
+              <a:t>ZDI connector</a:t>
             </a:r>
             <a:endParaRPr lang="en-NL" sz="2400" dirty="0"/>
           </a:p>
